--- a/Pacman презентация (1).pptx
+++ b/Pacman презентация (1).pptx
@@ -249,7 +249,7 @@
           <a:p>
             <a:fld id="{E18921DF-4EAB-4278-BE58-CFEE1B6DCC71}" type="datetimeFigureOut">
               <a:rPr lang="ru-RU" smtClean="0"/>
-              <a:t>26.01.2022</a:t>
+              <a:t>27.01.2022</a:t>
             </a:fld>
             <a:endParaRPr lang="ru-RU"/>
           </a:p>
@@ -536,7 +536,7 @@
           <a:p>
             <a:fld id="{E18921DF-4EAB-4278-BE58-CFEE1B6DCC71}" type="datetimeFigureOut">
               <a:rPr lang="ru-RU" smtClean="0"/>
-              <a:t>26.01.2022</a:t>
+              <a:t>27.01.2022</a:t>
             </a:fld>
             <a:endParaRPr lang="ru-RU"/>
           </a:p>
@@ -728,7 +728,7 @@
           <a:p>
             <a:fld id="{E18921DF-4EAB-4278-BE58-CFEE1B6DCC71}" type="datetimeFigureOut">
               <a:rPr lang="ru-RU" smtClean="0"/>
-              <a:t>26.01.2022</a:t>
+              <a:t>27.01.2022</a:t>
             </a:fld>
             <a:endParaRPr lang="ru-RU"/>
           </a:p>
@@ -989,7 +989,7 @@
           <a:p>
             <a:fld id="{E18921DF-4EAB-4278-BE58-CFEE1B6DCC71}" type="datetimeFigureOut">
               <a:rPr lang="ru-RU" smtClean="0"/>
-              <a:t>26.01.2022</a:t>
+              <a:t>27.01.2022</a:t>
             </a:fld>
             <a:endParaRPr lang="ru-RU"/>
           </a:p>
@@ -1413,7 +1413,7 @@
           <a:p>
             <a:fld id="{E18921DF-4EAB-4278-BE58-CFEE1B6DCC71}" type="datetimeFigureOut">
               <a:rPr lang="ru-RU" smtClean="0"/>
-              <a:t>26.01.2022</a:t>
+              <a:t>27.01.2022</a:t>
             </a:fld>
             <a:endParaRPr lang="ru-RU"/>
           </a:p>
@@ -1959,7 +1959,7 @@
           <a:p>
             <a:fld id="{E18921DF-4EAB-4278-BE58-CFEE1B6DCC71}" type="datetimeFigureOut">
               <a:rPr lang="ru-RU" smtClean="0"/>
-              <a:t>26.01.2022</a:t>
+              <a:t>27.01.2022</a:t>
             </a:fld>
             <a:endParaRPr lang="ru-RU"/>
           </a:p>
@@ -2799,7 +2799,7 @@
           <a:p>
             <a:fld id="{E18921DF-4EAB-4278-BE58-CFEE1B6DCC71}" type="datetimeFigureOut">
               <a:rPr lang="ru-RU" smtClean="0"/>
-              <a:t>26.01.2022</a:t>
+              <a:t>27.01.2022</a:t>
             </a:fld>
             <a:endParaRPr lang="ru-RU"/>
           </a:p>
@@ -2969,7 +2969,7 @@
           <a:p>
             <a:fld id="{E18921DF-4EAB-4278-BE58-CFEE1B6DCC71}" type="datetimeFigureOut">
               <a:rPr lang="ru-RU" smtClean="0"/>
-              <a:t>26.01.2022</a:t>
+              <a:t>27.01.2022</a:t>
             </a:fld>
             <a:endParaRPr lang="ru-RU"/>
           </a:p>
@@ -3153,7 +3153,7 @@
           <a:p>
             <a:fld id="{E18921DF-4EAB-4278-BE58-CFEE1B6DCC71}" type="datetimeFigureOut">
               <a:rPr lang="ru-RU" smtClean="0"/>
-              <a:t>26.01.2022</a:t>
+              <a:t>27.01.2022</a:t>
             </a:fld>
             <a:endParaRPr lang="ru-RU"/>
           </a:p>
@@ -3323,7 +3323,7 @@
           <a:p>
             <a:fld id="{E18921DF-4EAB-4278-BE58-CFEE1B6DCC71}" type="datetimeFigureOut">
               <a:rPr lang="ru-RU" smtClean="0"/>
-              <a:t>26.01.2022</a:t>
+              <a:t>27.01.2022</a:t>
             </a:fld>
             <a:endParaRPr lang="ru-RU"/>
           </a:p>
@@ -3571,7 +3571,7 @@
           <a:p>
             <a:fld id="{E18921DF-4EAB-4278-BE58-CFEE1B6DCC71}" type="datetimeFigureOut">
               <a:rPr lang="ru-RU" smtClean="0"/>
-              <a:t>26.01.2022</a:t>
+              <a:t>27.01.2022</a:t>
             </a:fld>
             <a:endParaRPr lang="ru-RU"/>
           </a:p>
@@ -3808,7 +3808,7 @@
           <a:p>
             <a:fld id="{E18921DF-4EAB-4278-BE58-CFEE1B6DCC71}" type="datetimeFigureOut">
               <a:rPr lang="ru-RU" smtClean="0"/>
-              <a:t>26.01.2022</a:t>
+              <a:t>27.01.2022</a:t>
             </a:fld>
             <a:endParaRPr lang="ru-RU"/>
           </a:p>
@@ -4181,7 +4181,7 @@
           <a:p>
             <a:fld id="{E18921DF-4EAB-4278-BE58-CFEE1B6DCC71}" type="datetimeFigureOut">
               <a:rPr lang="ru-RU" smtClean="0"/>
-              <a:t>26.01.2022</a:t>
+              <a:t>27.01.2022</a:t>
             </a:fld>
             <a:endParaRPr lang="ru-RU"/>
           </a:p>
@@ -4299,7 +4299,7 @@
           <a:p>
             <a:fld id="{E18921DF-4EAB-4278-BE58-CFEE1B6DCC71}" type="datetimeFigureOut">
               <a:rPr lang="ru-RU" smtClean="0"/>
-              <a:t>26.01.2022</a:t>
+              <a:t>27.01.2022</a:t>
             </a:fld>
             <a:endParaRPr lang="ru-RU"/>
           </a:p>
@@ -4394,7 +4394,7 @@
           <a:p>
             <a:fld id="{E18921DF-4EAB-4278-BE58-CFEE1B6DCC71}" type="datetimeFigureOut">
               <a:rPr lang="ru-RU" smtClean="0"/>
-              <a:t>26.01.2022</a:t>
+              <a:t>27.01.2022</a:t>
             </a:fld>
             <a:endParaRPr lang="ru-RU"/>
           </a:p>
@@ -4645,7 +4645,7 @@
           <a:p>
             <a:fld id="{E18921DF-4EAB-4278-BE58-CFEE1B6DCC71}" type="datetimeFigureOut">
               <a:rPr lang="ru-RU" smtClean="0"/>
-              <a:t>26.01.2022</a:t>
+              <a:t>27.01.2022</a:t>
             </a:fld>
             <a:endParaRPr lang="ru-RU"/>
           </a:p>
@@ -4932,7 +4932,7 @@
           <a:p>
             <a:fld id="{E18921DF-4EAB-4278-BE58-CFEE1B6DCC71}" type="datetimeFigureOut">
               <a:rPr lang="ru-RU" smtClean="0"/>
-              <a:t>26.01.2022</a:t>
+              <a:t>27.01.2022</a:t>
             </a:fld>
             <a:endParaRPr lang="ru-RU"/>
           </a:p>
@@ -5145,7 +5145,7 @@
           <a:p>
             <a:fld id="{E18921DF-4EAB-4278-BE58-CFEE1B6DCC71}" type="datetimeFigureOut">
               <a:rPr lang="ru-RU" smtClean="0"/>
-              <a:t>26.01.2022</a:t>
+              <a:t>27.01.2022</a:t>
             </a:fld>
             <a:endParaRPr lang="ru-RU"/>
           </a:p>
@@ -5777,7 +5777,7 @@
           <a:p>
             <a:r>
               <a:rPr lang="ru-RU" dirty="0"/>
-              <a:t>Мы с Алисой решили воссоздать всем знакомую игру </a:t>
+              <a:t>Воссоздать всем знакомую игру </a:t>
             </a:r>
             <a:r>
               <a:rPr lang="en-US" dirty="0"/>
@@ -5801,15 +5801,7 @@
             </a:r>
             <a:r>
               <a:rPr lang="ru-RU" dirty="0"/>
-              <a:t>языка </a:t>
-            </a:r>
-            <a:r>
-              <a:rPr lang="ru-RU" dirty="0" err="1"/>
-              <a:t>програмирования</a:t>
-            </a:r>
-            <a:r>
-              <a:rPr lang="ru-RU" dirty="0"/>
-              <a:t> </a:t>
+              <a:t>языка программирования </a:t>
             </a:r>
             <a:r>
               <a:rPr lang="en-US" dirty="0"/>
@@ -5906,7 +5898,7 @@
             </a:pPr>
             <a:r>
               <a:rPr lang="ru-RU" dirty="0"/>
-              <a:t>В нашем проекте есть три класса, много функций и сама игра.</a:t>
+              <a:t>В нашем проекте есть несколько классов, множество функций и звуковые эффекты.</a:t>
             </a:r>
           </a:p>
           <a:p>
@@ -5942,7 +5934,7 @@
             </a:pPr>
             <a:r>
               <a:rPr lang="ru-RU" dirty="0"/>
-              <a:t>	3.  объекты на карте(точки, вишенки и т.д.).</a:t>
+              <a:t>	3.  Объекты на карте(точки, вишенки и т.д.).</a:t>
             </a:r>
           </a:p>
           <a:p>
@@ -5951,15 +5943,7 @@
             </a:pPr>
             <a:r>
               <a:rPr lang="ru-RU" dirty="0"/>
-              <a:t>В функциях мы создаем карту и загружаем </a:t>
-            </a:r>
-            <a:r>
-              <a:rPr lang="ru-RU" dirty="0" err="1"/>
-              <a:t>текстурки</a:t>
-            </a:r>
-            <a:r>
-              <a:rPr lang="ru-RU" dirty="0"/>
-              <a:t>.</a:t>
+              <a:t>В функциях мы создаем карту и загружаем текстуры.</a:t>
             </a:r>
           </a:p>
           <a:p>
@@ -6100,7 +6084,7 @@
             </a:pPr>
             <a:r>
               <a:rPr lang="ru-RU" dirty="0"/>
-              <a:t>создать меню и таблицу лидеров</a:t>
+              <a:t>Создать меню и таблицу лидеров</a:t>
             </a:r>
           </a:p>
           <a:p>
